--- a/workshop_documents/day0_slides.pptx
+++ b/workshop_documents/day0_slides.pptx
@@ -121,6 +121,11 @@
       </a:defRPr>
     </a:lvl9pPr>
   </p:defaultTextStyle>
+  <p:extLst>
+    <p:ext uri="{EFAFB233-063F-42B5-8137-9DF3F51BA10A}">
+      <p15:sldGuideLst xmlns:p15="http://schemas.microsoft.com/office/powerpoint/2012/main"/>
+    </p:ext>
+  </p:extLst>
 </p:presentation>
 </file>
 

--- a/workshop_documents/day0_slides.pptx
+++ b/workshop_documents/day0_slides.pptx
@@ -8118,7 +8118,7 @@
           <a:p>
             <a:fld id="{6C2B60AC-939D-2646-BEA2-E58A819A6277}" type="datetimeFigureOut">
               <a:rPr lang="en-US" smtClean="0"/>
-              <a:t>1/18/21</a:t>
+              <a:t>1/21/21</a:t>
             </a:fld>
             <a:endParaRPr lang="en-US"/>
           </a:p>
@@ -8650,7 +8650,7 @@
             <a:fld id="{11A6662E-FAF4-44BC-88B5-85A7CBFB6D30}" type="datetime1">
               <a:rPr lang="en-US" smtClean="0"/>
               <a:pPr/>
-              <a:t>1/18/21</a:t>
+              <a:t>1/21/21</a:t>
             </a:fld>
             <a:endParaRPr lang="en-US"/>
           </a:p>
@@ -8861,7 +8861,7 @@
           <a:p>
             <a:fld id="{4C559632-1575-4E14-B53B-3DC3D5ED3947}" type="datetime1">
               <a:rPr lang="en-US" smtClean="0"/>
-              <a:t>1/18/21</a:t>
+              <a:t>1/21/21</a:t>
             </a:fld>
             <a:endParaRPr lang="en-US"/>
           </a:p>
@@ -9069,7 +9069,7 @@
           <a:p>
             <a:fld id="{CC4A6868-2568-4CC9-B302-F37117B01A6E}" type="datetime1">
               <a:rPr lang="en-US" smtClean="0"/>
-              <a:t>1/18/21</a:t>
+              <a:t>1/21/21</a:t>
             </a:fld>
             <a:endParaRPr lang="en-US"/>
           </a:p>
@@ -9272,7 +9272,7 @@
           <a:p>
             <a:fld id="{0055F08A-1E71-4B2B-BB49-E743F2903911}" type="datetime1">
               <a:rPr lang="en-US" smtClean="0"/>
-              <a:t>1/18/21</a:t>
+              <a:t>1/21/21</a:t>
             </a:fld>
             <a:endParaRPr lang="en-US" dirty="0"/>
           </a:p>
@@ -9546,7 +9546,7 @@
           <a:p>
             <a:fld id="{15417D9E-721A-44BB-8863-9873FE64DA75}" type="datetime1">
               <a:rPr lang="en-US" smtClean="0"/>
-              <a:t>1/18/21</a:t>
+              <a:t>1/21/21</a:t>
             </a:fld>
             <a:endParaRPr lang="en-US"/>
           </a:p>
@@ -9816,7 +9816,7 @@
           <a:p>
             <a:fld id="{5F31DA2F-80B8-49CF-99FB-5ABCA53A607A}" type="datetime1">
               <a:rPr lang="en-US" smtClean="0"/>
-              <a:t>1/18/21</a:t>
+              <a:t>1/21/21</a:t>
             </a:fld>
             <a:endParaRPr lang="en-US"/>
           </a:p>
@@ -10229,7 +10229,7 @@
           <a:p>
             <a:fld id="{28852172-E6C9-4B6C-929A-A9DE3837BBF1}" type="datetime1">
               <a:rPr lang="en-US" smtClean="0"/>
-              <a:t>1/18/21</a:t>
+              <a:t>1/21/21</a:t>
             </a:fld>
             <a:endParaRPr lang="en-US"/>
           </a:p>
@@ -10375,7 +10375,7 @@
           <a:p>
             <a:fld id="{3AB41CFF-90C9-47B3-9DA1-F2BF8D839F7E}" type="datetime1">
               <a:rPr lang="en-US" smtClean="0"/>
-              <a:t>1/18/21</a:t>
+              <a:t>1/21/21</a:t>
             </a:fld>
             <a:endParaRPr lang="en-US"/>
           </a:p>
@@ -10488,7 +10488,7 @@
           <a:p>
             <a:fld id="{F06048FA-06AB-4884-A69B-986B96E68A24}" type="datetime1">
               <a:rPr lang="en-US" smtClean="0"/>
-              <a:t>1/18/21</a:t>
+              <a:t>1/21/21</a:t>
             </a:fld>
             <a:endParaRPr lang="en-US"/>
           </a:p>
@@ -10799,7 +10799,7 @@
           <a:p>
             <a:fld id="{50DB7ABA-0172-4F9C-889D-567164F66BCD}" type="datetime1">
               <a:rPr lang="en-US" smtClean="0"/>
-              <a:t>1/18/21</a:t>
+              <a:t>1/21/21</a:t>
             </a:fld>
             <a:endParaRPr lang="en-US"/>
           </a:p>
@@ -11090,7 +11090,7 @@
           <a:p>
             <a:fld id="{78AC6A5B-8AE7-4A41-B5A7-9ADC6686DC18}" type="datetime1">
               <a:rPr lang="en-US" smtClean="0"/>
-              <a:t>1/18/21</a:t>
+              <a:t>1/21/21</a:t>
             </a:fld>
             <a:endParaRPr lang="en-US"/>
           </a:p>
@@ -11436,7 +11436,7 @@
             <a:fld id="{57E0CF6C-748E-4B7A-BC8B-3011EF78ED13}" type="datetime1">
               <a:rPr lang="en-US" smtClean="0"/>
               <a:pPr/>
-              <a:t>1/18/21</a:t>
+              <a:t>1/21/21</a:t>
             </a:fld>
             <a:endParaRPr lang="en-US" dirty="0"/>
           </a:p>

--- a/workshop_documents/day0_slides.pptx
+++ b/workshop_documents/day0_slides.pptx
@@ -8118,7 +8118,7 @@
           <a:p>
             <a:fld id="{6C2B60AC-939D-2646-BEA2-E58A819A6277}" type="datetimeFigureOut">
               <a:rPr lang="en-US" smtClean="0"/>
-              <a:t>1/21/21</a:t>
+              <a:t>2/5/21</a:t>
             </a:fld>
             <a:endParaRPr lang="en-US"/>
           </a:p>
@@ -8650,7 +8650,7 @@
             <a:fld id="{11A6662E-FAF4-44BC-88B5-85A7CBFB6D30}" type="datetime1">
               <a:rPr lang="en-US" smtClean="0"/>
               <a:pPr/>
-              <a:t>1/21/21</a:t>
+              <a:t>2/5/21</a:t>
             </a:fld>
             <a:endParaRPr lang="en-US"/>
           </a:p>
@@ -8861,7 +8861,7 @@
           <a:p>
             <a:fld id="{4C559632-1575-4E14-B53B-3DC3D5ED3947}" type="datetime1">
               <a:rPr lang="en-US" smtClean="0"/>
-              <a:t>1/21/21</a:t>
+              <a:t>2/5/21</a:t>
             </a:fld>
             <a:endParaRPr lang="en-US"/>
           </a:p>
@@ -9069,7 +9069,7 @@
           <a:p>
             <a:fld id="{CC4A6868-2568-4CC9-B302-F37117B01A6E}" type="datetime1">
               <a:rPr lang="en-US" smtClean="0"/>
-              <a:t>1/21/21</a:t>
+              <a:t>2/5/21</a:t>
             </a:fld>
             <a:endParaRPr lang="en-US"/>
           </a:p>
@@ -9272,7 +9272,7 @@
           <a:p>
             <a:fld id="{0055F08A-1E71-4B2B-BB49-E743F2903911}" type="datetime1">
               <a:rPr lang="en-US" smtClean="0"/>
-              <a:t>1/21/21</a:t>
+              <a:t>2/5/21</a:t>
             </a:fld>
             <a:endParaRPr lang="en-US" dirty="0"/>
           </a:p>
@@ -9546,7 +9546,7 @@
           <a:p>
             <a:fld id="{15417D9E-721A-44BB-8863-9873FE64DA75}" type="datetime1">
               <a:rPr lang="en-US" smtClean="0"/>
-              <a:t>1/21/21</a:t>
+              <a:t>2/5/21</a:t>
             </a:fld>
             <a:endParaRPr lang="en-US"/>
           </a:p>
@@ -9816,7 +9816,7 @@
           <a:p>
             <a:fld id="{5F31DA2F-80B8-49CF-99FB-5ABCA53A607A}" type="datetime1">
               <a:rPr lang="en-US" smtClean="0"/>
-              <a:t>1/21/21</a:t>
+              <a:t>2/5/21</a:t>
             </a:fld>
             <a:endParaRPr lang="en-US"/>
           </a:p>
@@ -10229,7 +10229,7 @@
           <a:p>
             <a:fld id="{28852172-E6C9-4B6C-929A-A9DE3837BBF1}" type="datetime1">
               <a:rPr lang="en-US" smtClean="0"/>
-              <a:t>1/21/21</a:t>
+              <a:t>2/5/21</a:t>
             </a:fld>
             <a:endParaRPr lang="en-US"/>
           </a:p>
@@ -10375,7 +10375,7 @@
           <a:p>
             <a:fld id="{3AB41CFF-90C9-47B3-9DA1-F2BF8D839F7E}" type="datetime1">
               <a:rPr lang="en-US" smtClean="0"/>
-              <a:t>1/21/21</a:t>
+              <a:t>2/5/21</a:t>
             </a:fld>
             <a:endParaRPr lang="en-US"/>
           </a:p>
@@ -10488,7 +10488,7 @@
           <a:p>
             <a:fld id="{F06048FA-06AB-4884-A69B-986B96E68A24}" type="datetime1">
               <a:rPr lang="en-US" smtClean="0"/>
-              <a:t>1/21/21</a:t>
+              <a:t>2/5/21</a:t>
             </a:fld>
             <a:endParaRPr lang="en-US"/>
           </a:p>
@@ -10799,7 +10799,7 @@
           <a:p>
             <a:fld id="{50DB7ABA-0172-4F9C-889D-567164F66BCD}" type="datetime1">
               <a:rPr lang="en-US" smtClean="0"/>
-              <a:t>1/21/21</a:t>
+              <a:t>2/5/21</a:t>
             </a:fld>
             <a:endParaRPr lang="en-US"/>
           </a:p>
@@ -11090,7 +11090,7 @@
           <a:p>
             <a:fld id="{78AC6A5B-8AE7-4A41-B5A7-9ADC6686DC18}" type="datetime1">
               <a:rPr lang="en-US" smtClean="0"/>
-              <a:t>1/21/21</a:t>
+              <a:t>2/5/21</a:t>
             </a:fld>
             <a:endParaRPr lang="en-US"/>
           </a:p>
@@ -11436,7 +11436,7 @@
             <a:fld id="{57E0CF6C-748E-4B7A-BC8B-3011EF78ED13}" type="datetime1">
               <a:rPr lang="en-US" smtClean="0"/>
               <a:pPr/>
-              <a:t>1/21/21</a:t>
+              <a:t>2/5/21</a:t>
             </a:fld>
             <a:endParaRPr lang="en-US" dirty="0"/>
           </a:p>
@@ -12683,25 +12683,8 @@
                   </a:schemeClr>
                 </a:solidFill>
               </a:rPr>
-              <a:t>” that you can run on the command line which will download the packages we need and create a python environment for the course (it only has the </a:t>
+              <a:t>” that you can run on the command line which will download the packages we need and create a python environment for the course (it only has the required modules)</a:t>
             </a:r>
-            <a:r>
-              <a:rPr lang="en-US" sz="1800">
-                <a:solidFill>
-                  <a:schemeClr val="tx1">
-                    <a:alpha val="80000"/>
-                  </a:schemeClr>
-                </a:solidFill>
-              </a:rPr>
-              <a:t>required modules)</a:t>
-            </a:r>
-            <a:endParaRPr lang="en-US" sz="1800" dirty="0">
-              <a:solidFill>
-                <a:schemeClr val="tx1">
-                  <a:alpha val="80000"/>
-                </a:schemeClr>
-              </a:solidFill>
-            </a:endParaRPr>
           </a:p>
           <a:p>
             <a:r>
@@ -15043,7 +15026,7 @@
                   <a:schemeClr val="tx1"/>
                 </a:solidFill>
               </a:rPr>
-              <a:t>If you used the bash script to use an environment, you have 3.8 otherwise it is the version you downloaded</a:t>
+              <a:t>If you used the bash script to use an environment, you have 3.8 otherwise it is the version you downloaded </a:t>
             </a:r>
           </a:p>
           <a:p>
@@ -15984,15 +15967,7 @@
           <a:p>
             <a:r>
               <a:rPr lang="en-US" dirty="0"/>
-              <a:t>Quick Demo of </a:t>
-            </a:r>
-            <a:r>
-              <a:rPr lang="en-US" dirty="0" err="1"/>
-              <a:t>Spyter</a:t>
-            </a:r>
-            <a:r>
-              <a:rPr lang="en-US" dirty="0"/>
-              <a:t> and </a:t>
+              <a:t>Quick Demo of Spyder and </a:t>
             </a:r>
             <a:r>
               <a:rPr lang="en-US" dirty="0" err="1"/>
@@ -18346,7 +18321,7 @@
         </p:blipFill>
         <p:spPr>
           <a:xfrm>
-            <a:off x="4904733" y="2987473"/>
+            <a:off x="4650875" y="3017107"/>
             <a:ext cx="7183134" cy="3623492"/>
           </a:xfrm>
           <a:prstGeom prst="rect">
@@ -19309,7 +19284,7 @@
         </p:blipFill>
         <p:spPr>
           <a:xfrm>
-            <a:off x="4477990" y="2698138"/>
+            <a:off x="4736407" y="2727956"/>
             <a:ext cx="7433376" cy="3795414"/>
           </a:xfrm>
           <a:prstGeom prst="rect">
@@ -19992,7 +19967,7 @@
         </p:nvSpPr>
         <p:spPr>
           <a:xfrm>
-            <a:off x="3906285" y="1929869"/>
+            <a:off x="4762899" y="2050766"/>
             <a:ext cx="1756044" cy="739739"/>
           </a:xfrm>
           <a:prstGeom prst="rect">
@@ -20048,7 +20023,7 @@
         </p:nvSpPr>
         <p:spPr>
           <a:xfrm>
-            <a:off x="6448333" y="1905958"/>
+            <a:off x="7165563" y="1965862"/>
             <a:ext cx="4511007" cy="739739"/>
           </a:xfrm>
           <a:prstGeom prst="rect">

--- a/workshop_documents/day0_slides.pptx
+++ b/workshop_documents/day0_slides.pptx
@@ -8118,7 +8118,7 @@
           <a:p>
             <a:fld id="{6C2B60AC-939D-2646-BEA2-E58A819A6277}" type="datetimeFigureOut">
               <a:rPr lang="en-US" smtClean="0"/>
-              <a:t>2/5/21</a:t>
+              <a:t>2/7/21</a:t>
             </a:fld>
             <a:endParaRPr lang="en-US"/>
           </a:p>
@@ -8650,7 +8650,7 @@
             <a:fld id="{11A6662E-FAF4-44BC-88B5-85A7CBFB6D30}" type="datetime1">
               <a:rPr lang="en-US" smtClean="0"/>
               <a:pPr/>
-              <a:t>2/5/21</a:t>
+              <a:t>2/7/21</a:t>
             </a:fld>
             <a:endParaRPr lang="en-US"/>
           </a:p>
@@ -8861,7 +8861,7 @@
           <a:p>
             <a:fld id="{4C559632-1575-4E14-B53B-3DC3D5ED3947}" type="datetime1">
               <a:rPr lang="en-US" smtClean="0"/>
-              <a:t>2/5/21</a:t>
+              <a:t>2/7/21</a:t>
             </a:fld>
             <a:endParaRPr lang="en-US"/>
           </a:p>
@@ -9069,7 +9069,7 @@
           <a:p>
             <a:fld id="{CC4A6868-2568-4CC9-B302-F37117B01A6E}" type="datetime1">
               <a:rPr lang="en-US" smtClean="0"/>
-              <a:t>2/5/21</a:t>
+              <a:t>2/7/21</a:t>
             </a:fld>
             <a:endParaRPr lang="en-US"/>
           </a:p>
@@ -9272,7 +9272,7 @@
           <a:p>
             <a:fld id="{0055F08A-1E71-4B2B-BB49-E743F2903911}" type="datetime1">
               <a:rPr lang="en-US" smtClean="0"/>
-              <a:t>2/5/21</a:t>
+              <a:t>2/7/21</a:t>
             </a:fld>
             <a:endParaRPr lang="en-US" dirty="0"/>
           </a:p>
@@ -9546,7 +9546,7 @@
           <a:p>
             <a:fld id="{15417D9E-721A-44BB-8863-9873FE64DA75}" type="datetime1">
               <a:rPr lang="en-US" smtClean="0"/>
-              <a:t>2/5/21</a:t>
+              <a:t>2/7/21</a:t>
             </a:fld>
             <a:endParaRPr lang="en-US"/>
           </a:p>
@@ -9816,7 +9816,7 @@
           <a:p>
             <a:fld id="{5F31DA2F-80B8-49CF-99FB-5ABCA53A607A}" type="datetime1">
               <a:rPr lang="en-US" smtClean="0"/>
-              <a:t>2/5/21</a:t>
+              <a:t>2/7/21</a:t>
             </a:fld>
             <a:endParaRPr lang="en-US"/>
           </a:p>
@@ -10229,7 +10229,7 @@
           <a:p>
             <a:fld id="{28852172-E6C9-4B6C-929A-A9DE3837BBF1}" type="datetime1">
               <a:rPr lang="en-US" smtClean="0"/>
-              <a:t>2/5/21</a:t>
+              <a:t>2/7/21</a:t>
             </a:fld>
             <a:endParaRPr lang="en-US"/>
           </a:p>
@@ -10375,7 +10375,7 @@
           <a:p>
             <a:fld id="{3AB41CFF-90C9-47B3-9DA1-F2BF8D839F7E}" type="datetime1">
               <a:rPr lang="en-US" smtClean="0"/>
-              <a:t>2/5/21</a:t>
+              <a:t>2/7/21</a:t>
             </a:fld>
             <a:endParaRPr lang="en-US"/>
           </a:p>
@@ -10488,7 +10488,7 @@
           <a:p>
             <a:fld id="{F06048FA-06AB-4884-A69B-986B96E68A24}" type="datetime1">
               <a:rPr lang="en-US" smtClean="0"/>
-              <a:t>2/5/21</a:t>
+              <a:t>2/7/21</a:t>
             </a:fld>
             <a:endParaRPr lang="en-US"/>
           </a:p>
@@ -10799,7 +10799,7 @@
           <a:p>
             <a:fld id="{50DB7ABA-0172-4F9C-889D-567164F66BCD}" type="datetime1">
               <a:rPr lang="en-US" smtClean="0"/>
-              <a:t>2/5/21</a:t>
+              <a:t>2/7/21</a:t>
             </a:fld>
             <a:endParaRPr lang="en-US"/>
           </a:p>
@@ -11090,7 +11090,7 @@
           <a:p>
             <a:fld id="{78AC6A5B-8AE7-4A41-B5A7-9ADC6686DC18}" type="datetime1">
               <a:rPr lang="en-US" smtClean="0"/>
-              <a:t>2/5/21</a:t>
+              <a:t>2/7/21</a:t>
             </a:fld>
             <a:endParaRPr lang="en-US"/>
           </a:p>
@@ -11436,7 +11436,7 @@
             <a:fld id="{57E0CF6C-748E-4B7A-BC8B-3011EF78ED13}" type="datetime1">
               <a:rPr lang="en-US" smtClean="0"/>
               <a:pPr/>
-              <a:t>2/5/21</a:t>
+              <a:t>2/7/21</a:t>
             </a:fld>
             <a:endParaRPr lang="en-US" dirty="0"/>
           </a:p>
@@ -17100,6 +17100,344 @@
             <a:r>
               <a:rPr lang="en-US"/>
               <a:t>Location of resources: Canvas and Slack</a:t>
+            </a:r>
+          </a:p>
+        </p:txBody>
+      </p:sp>
+      <p:pic>
+        <p:nvPicPr>
+          <p:cNvPr id="4" name="Picture 3" descr="Graphical user interface, text, application, email&#10;&#10;Description automatically generated">
+            <a:extLst>
+              <a:ext uri="{FF2B5EF4-FFF2-40B4-BE49-F238E27FC236}">
+                <a16:creationId xmlns:a16="http://schemas.microsoft.com/office/drawing/2014/main" id="{DFA2D978-3422-224B-85E3-4F3B7F2F7AD5}"/>
+              </a:ext>
+            </a:extLst>
+          </p:cNvPr>
+          <p:cNvPicPr>
+            <a:picLocks noChangeAspect="1"/>
+          </p:cNvPicPr>
+          <p:nvPr/>
+        </p:nvPicPr>
+        <p:blipFill>
+          <a:blip r:embed="rId3"/>
+          <a:stretch>
+            <a:fillRect/>
+          </a:stretch>
+        </p:blipFill>
+        <p:spPr>
+          <a:xfrm>
+            <a:off x="3249251" y="1624888"/>
+            <a:ext cx="7264400" cy="5080000"/>
+          </a:xfrm>
+          <a:prstGeom prst="rect">
+            <a:avLst/>
+          </a:prstGeom>
+        </p:spPr>
+      </p:pic>
+      <p:cxnSp>
+        <p:nvCxnSpPr>
+          <p:cNvPr id="6" name="Straight Arrow Connector 5">
+            <a:extLst>
+              <a:ext uri="{FF2B5EF4-FFF2-40B4-BE49-F238E27FC236}">
+                <a16:creationId xmlns:a16="http://schemas.microsoft.com/office/drawing/2014/main" id="{2A08FE28-40DB-C247-84FD-FEA0339F126E}"/>
+              </a:ext>
+            </a:extLst>
+          </p:cNvPr>
+          <p:cNvCxnSpPr/>
+          <p:nvPr/>
+        </p:nvCxnSpPr>
+        <p:spPr>
+          <a:xfrm flipV="1">
+            <a:off x="2845837" y="3153747"/>
+            <a:ext cx="1399592" cy="447869"/>
+          </a:xfrm>
+          <a:prstGeom prst="straightConnector1">
+            <a:avLst/>
+          </a:prstGeom>
+          <a:ln w="76200">
+            <a:tailEnd type="triangle"/>
+          </a:ln>
+        </p:spPr>
+        <p:style>
+          <a:lnRef idx="1">
+            <a:schemeClr val="accent1"/>
+          </a:lnRef>
+          <a:fillRef idx="0">
+            <a:schemeClr val="accent1"/>
+          </a:fillRef>
+          <a:effectRef idx="0">
+            <a:schemeClr val="accent1"/>
+          </a:effectRef>
+          <a:fontRef idx="minor">
+            <a:schemeClr val="tx1"/>
+          </a:fontRef>
+        </p:style>
+      </p:cxnSp>
+      <p:sp>
+        <p:nvSpPr>
+          <p:cNvPr id="7" name="TextBox 6">
+            <a:extLst>
+              <a:ext uri="{FF2B5EF4-FFF2-40B4-BE49-F238E27FC236}">
+                <a16:creationId xmlns:a16="http://schemas.microsoft.com/office/drawing/2014/main" id="{B61D80A7-A3D7-F346-8026-7137A44ABD7A}"/>
+              </a:ext>
+            </a:extLst>
+          </p:cNvPr>
+          <p:cNvSpPr txBox="1"/>
+          <p:nvPr/>
+        </p:nvSpPr>
+        <p:spPr>
+          <a:xfrm>
+            <a:off x="772309" y="3153747"/>
+            <a:ext cx="2361526" cy="646331"/>
+          </a:xfrm>
+          <a:prstGeom prst="rect">
+            <a:avLst/>
+          </a:prstGeom>
+          <a:noFill/>
+        </p:spPr>
+        <p:txBody>
+          <a:bodyPr wrap="square" rtlCol="0">
+            <a:spAutoFit/>
+          </a:bodyPr>
+          <a:lstStyle/>
+          <a:p>
+            <a:r>
+              <a:rPr lang="en-US" dirty="0"/>
+              <a:t>Zoom, slack, into announcement </a:t>
+            </a:r>
+          </a:p>
+        </p:txBody>
+      </p:sp>
+      <p:cxnSp>
+        <p:nvCxnSpPr>
+          <p:cNvPr id="12" name="Straight Arrow Connector 11">
+            <a:extLst>
+              <a:ext uri="{FF2B5EF4-FFF2-40B4-BE49-F238E27FC236}">
+                <a16:creationId xmlns:a16="http://schemas.microsoft.com/office/drawing/2014/main" id="{948FF369-598D-864E-8E2D-0B9D798C19A0}"/>
+              </a:ext>
+            </a:extLst>
+          </p:cNvPr>
+          <p:cNvCxnSpPr>
+            <a:cxnSpLocks/>
+          </p:cNvCxnSpPr>
+          <p:nvPr/>
+        </p:nvCxnSpPr>
+        <p:spPr>
+          <a:xfrm>
+            <a:off x="2069432" y="2606674"/>
+            <a:ext cx="1350877" cy="78589"/>
+          </a:xfrm>
+          <a:prstGeom prst="straightConnector1">
+            <a:avLst/>
+          </a:prstGeom>
+          <a:ln w="76200">
+            <a:tailEnd type="triangle"/>
+          </a:ln>
+        </p:spPr>
+        <p:style>
+          <a:lnRef idx="1">
+            <a:schemeClr val="accent1"/>
+          </a:lnRef>
+          <a:fillRef idx="0">
+            <a:schemeClr val="accent1"/>
+          </a:fillRef>
+          <a:effectRef idx="0">
+            <a:schemeClr val="accent1"/>
+          </a:effectRef>
+          <a:fontRef idx="minor">
+            <a:schemeClr val="tx1"/>
+          </a:fontRef>
+        </p:style>
+      </p:cxnSp>
+      <p:sp>
+        <p:nvSpPr>
+          <p:cNvPr id="14" name="TextBox 13">
+            <a:extLst>
+              <a:ext uri="{FF2B5EF4-FFF2-40B4-BE49-F238E27FC236}">
+                <a16:creationId xmlns:a16="http://schemas.microsoft.com/office/drawing/2014/main" id="{356D37E0-D54D-F64A-8F04-E3250C95795A}"/>
+              </a:ext>
+            </a:extLst>
+          </p:cNvPr>
+          <p:cNvSpPr txBox="1"/>
+          <p:nvPr/>
+        </p:nvSpPr>
+        <p:spPr>
+          <a:xfrm>
+            <a:off x="135604" y="2283508"/>
+            <a:ext cx="2361526" cy="923330"/>
+          </a:xfrm>
+          <a:prstGeom prst="rect">
+            <a:avLst/>
+          </a:prstGeom>
+          <a:noFill/>
+        </p:spPr>
+        <p:txBody>
+          <a:bodyPr wrap="square" rtlCol="0">
+            <a:spAutoFit/>
+          </a:bodyPr>
+          <a:lstStyle/>
+          <a:p>
+            <a:r>
+              <a:rPr lang="en-US" dirty="0"/>
+              <a:t>Recordings will go here for your future use </a:t>
+            </a:r>
+          </a:p>
+        </p:txBody>
+      </p:sp>
+      <p:cxnSp>
+        <p:nvCxnSpPr>
+          <p:cNvPr id="15" name="Straight Arrow Connector 14">
+            <a:extLst>
+              <a:ext uri="{FF2B5EF4-FFF2-40B4-BE49-F238E27FC236}">
+                <a16:creationId xmlns:a16="http://schemas.microsoft.com/office/drawing/2014/main" id="{D5CD48BA-FBDF-0E41-BA26-D84E32402A55}"/>
+              </a:ext>
+            </a:extLst>
+          </p:cNvPr>
+          <p:cNvCxnSpPr/>
+          <p:nvPr/>
+        </p:nvCxnSpPr>
+        <p:spPr>
+          <a:xfrm flipV="1">
+            <a:off x="3286995" y="4774779"/>
+            <a:ext cx="1399592" cy="447869"/>
+          </a:xfrm>
+          <a:prstGeom prst="straightConnector1">
+            <a:avLst/>
+          </a:prstGeom>
+          <a:ln w="76200">
+            <a:tailEnd type="triangle"/>
+          </a:ln>
+        </p:spPr>
+        <p:style>
+          <a:lnRef idx="1">
+            <a:schemeClr val="accent1"/>
+          </a:lnRef>
+          <a:fillRef idx="0">
+            <a:schemeClr val="accent1"/>
+          </a:fillRef>
+          <a:effectRef idx="0">
+            <a:schemeClr val="accent1"/>
+          </a:effectRef>
+          <a:fontRef idx="minor">
+            <a:schemeClr val="tx1"/>
+          </a:fontRef>
+        </p:style>
+      </p:cxnSp>
+      <p:sp>
+        <p:nvSpPr>
+          <p:cNvPr id="9" name="TextBox 8">
+            <a:extLst>
+              <a:ext uri="{FF2B5EF4-FFF2-40B4-BE49-F238E27FC236}">
+                <a16:creationId xmlns:a16="http://schemas.microsoft.com/office/drawing/2014/main" id="{737C291F-DD3D-A442-B63E-651BFAC53566}"/>
+              </a:ext>
+            </a:extLst>
+          </p:cNvPr>
+          <p:cNvSpPr txBox="1"/>
+          <p:nvPr/>
+        </p:nvSpPr>
+        <p:spPr>
+          <a:xfrm>
+            <a:off x="986590" y="4893955"/>
+            <a:ext cx="2147246" cy="923330"/>
+          </a:xfrm>
+          <a:prstGeom prst="rect">
+            <a:avLst/>
+          </a:prstGeom>
+          <a:noFill/>
+        </p:spPr>
+        <p:txBody>
+          <a:bodyPr wrap="square" rtlCol="0">
+            <a:spAutoFit/>
+          </a:bodyPr>
+          <a:lstStyle/>
+          <a:p>
+            <a:r>
+              <a:rPr lang="en-US" dirty="0"/>
+              <a:t>Data, slides, </a:t>
+            </a:r>
+            <a:r>
+              <a:rPr lang="en-US" dirty="0" err="1"/>
+              <a:t>jupyter</a:t>
+            </a:r>
+            <a:r>
+              <a:rPr lang="en-US" dirty="0"/>
+              <a:t> notebooks, schedule </a:t>
+            </a:r>
+          </a:p>
+        </p:txBody>
+      </p:sp>
+      <p:cxnSp>
+        <p:nvCxnSpPr>
+          <p:cNvPr id="17" name="Straight Arrow Connector 16">
+            <a:extLst>
+              <a:ext uri="{FF2B5EF4-FFF2-40B4-BE49-F238E27FC236}">
+                <a16:creationId xmlns:a16="http://schemas.microsoft.com/office/drawing/2014/main" id="{B6680DA7-0E57-AE46-A261-E938B1996FF3}"/>
+              </a:ext>
+            </a:extLst>
+          </p:cNvPr>
+          <p:cNvCxnSpPr>
+            <a:cxnSpLocks/>
+          </p:cNvCxnSpPr>
+          <p:nvPr/>
+        </p:nvCxnSpPr>
+        <p:spPr>
+          <a:xfrm flipH="1">
+            <a:off x="8999621" y="4998713"/>
+            <a:ext cx="1227221" cy="456257"/>
+          </a:xfrm>
+          <a:prstGeom prst="straightConnector1">
+            <a:avLst/>
+          </a:prstGeom>
+          <a:ln w="76200">
+            <a:tailEnd type="triangle"/>
+          </a:ln>
+        </p:spPr>
+        <p:style>
+          <a:lnRef idx="1">
+            <a:schemeClr val="accent1"/>
+          </a:lnRef>
+          <a:fillRef idx="0">
+            <a:schemeClr val="accent1"/>
+          </a:fillRef>
+          <a:effectRef idx="0">
+            <a:schemeClr val="accent1"/>
+          </a:effectRef>
+          <a:fontRef idx="minor">
+            <a:schemeClr val="tx1"/>
+          </a:fontRef>
+        </p:style>
+      </p:cxnSp>
+      <p:sp>
+        <p:nvSpPr>
+          <p:cNvPr id="13" name="TextBox 12">
+            <a:extLst>
+              <a:ext uri="{FF2B5EF4-FFF2-40B4-BE49-F238E27FC236}">
+                <a16:creationId xmlns:a16="http://schemas.microsoft.com/office/drawing/2014/main" id="{108E3C1E-3F32-274D-B539-AED1E14537B2}"/>
+              </a:ext>
+            </a:extLst>
+          </p:cNvPr>
+          <p:cNvSpPr txBox="1"/>
+          <p:nvPr/>
+        </p:nvSpPr>
+        <p:spPr>
+          <a:xfrm>
+            <a:off x="10206933" y="4811043"/>
+            <a:ext cx="1982781" cy="923330"/>
+          </a:xfrm>
+          <a:prstGeom prst="rect">
+            <a:avLst/>
+          </a:prstGeom>
+          <a:noFill/>
+        </p:spPr>
+        <p:txBody>
+          <a:bodyPr wrap="square" rtlCol="0">
+            <a:spAutoFit/>
+          </a:bodyPr>
+          <a:lstStyle/>
+          <a:p>
+            <a:r>
+              <a:rPr lang="en-US" dirty="0"/>
+              <a:t>Days have sections with info and assignments</a:t>
             </a:r>
           </a:p>
         </p:txBody>
